--- a/etcPrivate/WebContent/AttendanceBook/AttendanceBookHelp.pptx
+++ b/etcPrivate/WebContent/AttendanceBook/AttendanceBookHelp.pptx
@@ -5,13 +5,14 @@
     <p:sldMasterId id="2147483648" r:id="rId1"/>
   </p:sldMasterIdLst>
   <p:notesMasterIdLst>
-    <p:notesMasterId r:id="rId3"/>
+    <p:notesMasterId r:id="rId4"/>
   </p:notesMasterIdLst>
   <p:handoutMasterIdLst>
-    <p:handoutMasterId r:id="rId4"/>
+    <p:handoutMasterId r:id="rId5"/>
   </p:handoutMasterIdLst>
   <p:sldIdLst>
     <p:sldId id="257" r:id="rId2"/>
+    <p:sldId id="258" r:id="rId3"/>
   </p:sldIdLst>
   <p:sldSz cx="12192000" cy="6858000"/>
   <p:notesSz cx="6858000" cy="9144000"/>
@@ -118,6 +119,18 @@
 </p:presentation>
 </file>
 
+<file path=ppt/commentAuthors.xml><?xml version="1.0" encoding="utf-8"?>
+<p:cmAuthorLst xmlns:a="http://schemas.openxmlformats.org/drawingml/2006/main" xmlns:r="http://schemas.openxmlformats.org/officeDocument/2006/relationships" xmlns:p="http://schemas.openxmlformats.org/presentationml/2006/main">
+  <p:cmAuthor id="1" name="younghyun jeong" initials="yj" lastIdx="1" clrIdx="0">
+    <p:extLst>
+      <p:ext uri="{19B8F6BF-5375-455C-9EA6-DF929625EA0E}">
+        <p15:presenceInfo xmlns:p15="http://schemas.microsoft.com/office/powerpoint/2012/main" userId="d0cde2628809ae36" providerId="Windows Live"/>
+      </p:ext>
+    </p:extLst>
+  </p:cmAuthor>
+</p:cmAuthorLst>
+</file>
+
 <file path=ppt/handoutMasters/handoutMaster1.xml><?xml version="1.0" encoding="utf-8"?>
 <p:handoutMaster xmlns:a="http://schemas.openxmlformats.org/drawingml/2006/main" xmlns:r="http://schemas.openxmlformats.org/officeDocument/2006/relationships" xmlns:p="http://schemas.openxmlformats.org/presentationml/2006/main">
   <p:cSld>
@@ -212,7 +225,7 @@
           <a:p>
             <a:fld id="{1B526DF7-257B-4452-81B4-71087637A6FC}" type="datetimeFigureOut">
               <a:rPr lang="ko-KR" altLang="en-US" smtClean="0"/>
-              <a:t>2018-03-22</a:t>
+              <a:t>2018-03-23</a:t>
             </a:fld>
             <a:endParaRPr lang="ko-KR" altLang="en-US" dirty="0"/>
           </a:p>
@@ -389,7 +402,7 @@
           <a:p>
             <a:fld id="{D0170E1E-D47A-40C0-B4C0-B79A7F051FD1}" type="datetimeFigureOut">
               <a:rPr lang="ko-KR" altLang="en-US" smtClean="0"/>
-              <a:t>2018-03-22</a:t>
+              <a:t>2018-03-23</a:t>
             </a:fld>
             <a:endParaRPr lang="ko-KR" altLang="en-US" dirty="0"/>
           </a:p>
@@ -827,7 +840,7 @@
           <a:p>
             <a:fld id="{0AE3ADEB-E33E-4E1E-9466-808488EFD389}" type="datetime1">
               <a:rPr lang="en-US" altLang="ko-KR" smtClean="0"/>
-              <a:t>3/22/2018</a:t>
+              <a:t>3/23/2018</a:t>
             </a:fld>
             <a:endParaRPr lang="en-US" dirty="0"/>
           </a:p>
@@ -1134,7 +1147,7 @@
           <a:p>
             <a:fld id="{39A41657-8E23-455B-8103-8F7DE1DD9286}" type="datetime1">
               <a:rPr lang="en-US" altLang="ko-KR" smtClean="0"/>
-              <a:t>3/22/2018</a:t>
+              <a:t>3/23/2018</a:t>
             </a:fld>
             <a:endParaRPr lang="en-US" dirty="0"/>
           </a:p>
@@ -1351,7 +1364,7 @@
           <a:p>
             <a:fld id="{1C1C8642-ADE9-4CBB-BDE7-1B112DFE7649}" type="datetime1">
               <a:rPr lang="en-US" altLang="ko-KR" smtClean="0"/>
-              <a:t>3/22/2018</a:t>
+              <a:t>3/23/2018</a:t>
             </a:fld>
             <a:endParaRPr lang="en-US" dirty="0"/>
           </a:p>
@@ -1637,7 +1650,7 @@
           <a:p>
             <a:fld id="{0249862D-5241-47E4-9EF1-8D6A7163E5DD}" type="datetime1">
               <a:rPr lang="en-US" altLang="ko-KR" smtClean="0"/>
-              <a:t>3/22/2018</a:t>
+              <a:t>3/23/2018</a:t>
             </a:fld>
             <a:endParaRPr lang="en-US" dirty="0"/>
           </a:p>
@@ -2086,7 +2099,7 @@
           <a:p>
             <a:fld id="{77E50649-CFC0-4AE4-A250-59A22A3E44C1}" type="datetime1">
               <a:rPr lang="en-US" altLang="ko-KR" smtClean="0"/>
-              <a:t>3/22/2018</a:t>
+              <a:t>3/23/2018</a:t>
             </a:fld>
             <a:endParaRPr lang="en-US" dirty="0"/>
           </a:p>
@@ -2657,7 +2670,7 @@
           <a:p>
             <a:fld id="{EB5A811F-BB2A-459C-8B81-156F903E8AE7}" type="datetime1">
               <a:rPr lang="en-US" altLang="ko-KR" smtClean="0"/>
-              <a:t>3/22/2018</a:t>
+              <a:t>3/23/2018</a:t>
             </a:fld>
             <a:endParaRPr lang="en-US" dirty="0"/>
           </a:p>
@@ -3504,7 +3517,7 @@
           <a:p>
             <a:fld id="{5C5C7C4C-F135-4869-BC35-2E38F1A0D2B2}" type="datetime1">
               <a:rPr lang="en-US" altLang="ko-KR" smtClean="0"/>
-              <a:t>3/22/2018</a:t>
+              <a:t>3/23/2018</a:t>
             </a:fld>
             <a:endParaRPr lang="en-US" dirty="0"/>
           </a:p>
@@ -3704,7 +3717,7 @@
           <a:p>
             <a:fld id="{96F46396-576A-47E5-99F6-37F7CDFAD230}" type="datetime1">
               <a:rPr lang="en-US" altLang="ko-KR" smtClean="0"/>
-              <a:t>3/22/2018</a:t>
+              <a:t>3/23/2018</a:t>
             </a:fld>
             <a:endParaRPr lang="en-US" dirty="0"/>
           </a:p>
@@ -3913,7 +3926,7 @@
           <a:p>
             <a:fld id="{8B8C87B2-AB05-43A4-8505-A8E2866D6180}" type="datetime1">
               <a:rPr lang="en-US" altLang="ko-KR" smtClean="0"/>
-              <a:t>3/22/2018</a:t>
+              <a:t>3/23/2018</a:t>
             </a:fld>
             <a:endParaRPr lang="en-US" dirty="0"/>
           </a:p>
@@ -4113,7 +4126,7 @@
           <a:p>
             <a:fld id="{93F3637A-C731-426A-9DD1-A284FA4BEAF1}" type="datetime1">
               <a:rPr lang="en-US" altLang="ko-KR" smtClean="0"/>
-              <a:t>3/22/2018</a:t>
+              <a:t>3/23/2018</a:t>
             </a:fld>
             <a:endParaRPr lang="en-US" dirty="0"/>
           </a:p>
@@ -4388,7 +4401,7 @@
           <a:p>
             <a:fld id="{A3508F0F-5533-4BAB-8A29-943D4CF789E9}" type="datetime1">
               <a:rPr lang="en-US" altLang="ko-KR" smtClean="0"/>
-              <a:t>3/22/2018</a:t>
+              <a:t>3/23/2018</a:t>
             </a:fld>
             <a:endParaRPr lang="en-US" dirty="0"/>
           </a:p>
@@ -4650,7 +4663,7 @@
           <a:p>
             <a:fld id="{8E67C19D-531E-4CCA-88F0-E2DD16D4ADC4}" type="datetime1">
               <a:rPr lang="en-US" altLang="ko-KR" smtClean="0"/>
-              <a:t>3/22/2018</a:t>
+              <a:t>3/23/2018</a:t>
             </a:fld>
             <a:endParaRPr lang="en-US" dirty="0"/>
           </a:p>
@@ -5060,7 +5073,7 @@
           <a:p>
             <a:fld id="{0A630E9D-1A3B-4CFB-A10E-8D580518E8E6}" type="datetime1">
               <a:rPr lang="en-US" altLang="ko-KR" smtClean="0"/>
-              <a:t>3/22/2018</a:t>
+              <a:t>3/23/2018</a:t>
             </a:fld>
             <a:endParaRPr lang="en-US" dirty="0"/>
           </a:p>
@@ -5203,7 +5216,7 @@
           <a:p>
             <a:fld id="{2F4C419F-9FB2-4DC1-B113-2B0B1C07ADB0}" type="datetime1">
               <a:rPr lang="en-US" altLang="ko-KR" smtClean="0"/>
-              <a:t>3/22/2018</a:t>
+              <a:t>3/23/2018</a:t>
             </a:fld>
             <a:endParaRPr lang="en-US" dirty="0"/>
           </a:p>
@@ -5323,7 +5336,7 @@
           <a:p>
             <a:fld id="{64B665B4-C605-4D9F-9FD6-2772D6512994}" type="datetime1">
               <a:rPr lang="en-US" altLang="ko-KR" smtClean="0"/>
-              <a:t>3/22/2018</a:t>
+              <a:t>3/23/2018</a:t>
             </a:fld>
             <a:endParaRPr lang="en-US" dirty="0"/>
           </a:p>
@@ -5597,7 +5610,7 @@
           <a:p>
             <a:fld id="{C7F9AF6C-B6CC-4C8F-90A2-5B73AA55225B}" type="datetime1">
               <a:rPr lang="en-US" altLang="ko-KR" smtClean="0"/>
-              <a:t>3/22/2018</a:t>
+              <a:t>3/23/2018</a:t>
             </a:fld>
             <a:endParaRPr lang="en-US" dirty="0"/>
           </a:p>
@@ -5904,7 +5917,7 @@
           <a:p>
             <a:fld id="{905D0D2D-253B-4DFD-BDF4-D3106222FF76}" type="datetime1">
               <a:rPr lang="en-US" altLang="ko-KR" smtClean="0"/>
-              <a:t>3/22/2018</a:t>
+              <a:t>3/23/2018</a:t>
             </a:fld>
             <a:endParaRPr lang="en-US" dirty="0"/>
           </a:p>
@@ -6152,7 +6165,7 @@
           <a:p>
             <a:fld id="{91D593D3-4A1A-44D3-B240-8B74249D2DD9}" type="datetime1">
               <a:rPr lang="en-US" altLang="ko-KR" smtClean="0"/>
-              <a:t>3/22/2018</a:t>
+              <a:t>3/23/2018</a:t>
             </a:fld>
             <a:endParaRPr lang="en-US" dirty="0"/>
           </a:p>
@@ -6593,6 +6606,44 @@
           <a:chExt cx="0" cy="0"/>
         </a:xfrm>
       </p:grpSpPr>
+      <p:pic>
+        <p:nvPicPr>
+          <p:cNvPr id="16" name="그림 15">
+            <a:extLst>
+              <a:ext uri="{FF2B5EF4-FFF2-40B4-BE49-F238E27FC236}">
+                <a16:creationId xmlns:a16="http://schemas.microsoft.com/office/drawing/2014/main" id="{CD05D1C7-426D-4DC6-A7A4-4BB508C74DC8}"/>
+              </a:ext>
+            </a:extLst>
+          </p:cNvPr>
+          <p:cNvPicPr>
+            <a:picLocks noChangeAspect="1"/>
+          </p:cNvPicPr>
+          <p:nvPr/>
+        </p:nvPicPr>
+        <p:blipFill>
+          <a:blip r:embed="rId2"/>
+          <a:stretch>
+            <a:fillRect/>
+          </a:stretch>
+        </p:blipFill>
+        <p:spPr>
+          <a:xfrm>
+            <a:off x="1662001" y="1943100"/>
+            <a:ext cx="8753475" cy="3293459"/>
+          </a:xfrm>
+          <a:prstGeom prst="rect">
+            <a:avLst/>
+          </a:prstGeom>
+          <a:ln>
+            <a:solidFill>
+              <a:schemeClr val="tx1">
+                <a:lumMod val="65000"/>
+                <a:lumOff val="35000"/>
+              </a:schemeClr>
+            </a:solidFill>
+          </a:ln>
+        </p:spPr>
+      </p:pic>
       <p:cxnSp>
         <p:nvCxnSpPr>
           <p:cNvPr id="5" name="직선 연결선 4">
@@ -6870,7 +6921,7 @@
           <a:p>
             <a:pPr algn="l"/>
             <a:r>
-              <a:rPr lang="en-US" altLang="ko-KR" sz="2000">
+              <a:rPr lang="en-US" altLang="ko-KR" sz="2000" dirty="0">
                 <a:solidFill>
                   <a:schemeClr val="tx1"/>
                 </a:solidFill>
@@ -6922,12 +6973,1318 @@
           </a:p>
         </p:txBody>
       </p:sp>
+      <p:sp>
+        <p:nvSpPr>
+          <p:cNvPr id="14" name="직사각형 13">
+            <a:extLst>
+              <a:ext uri="{FF2B5EF4-FFF2-40B4-BE49-F238E27FC236}">
+                <a16:creationId xmlns:a16="http://schemas.microsoft.com/office/drawing/2014/main" id="{E0438664-E6DD-48C4-A7B8-8F0FD0083EF3}"/>
+              </a:ext>
+            </a:extLst>
+          </p:cNvPr>
+          <p:cNvSpPr/>
+          <p:nvPr/>
+        </p:nvSpPr>
+        <p:spPr>
+          <a:xfrm>
+            <a:off x="10029825" y="2295525"/>
+            <a:ext cx="338026" cy="247650"/>
+          </a:xfrm>
+          <a:prstGeom prst="rect">
+            <a:avLst/>
+          </a:prstGeom>
+          <a:noFill/>
+          <a:ln>
+            <a:solidFill>
+              <a:schemeClr val="accent5">
+                <a:lumMod val="75000"/>
+              </a:schemeClr>
+            </a:solidFill>
+          </a:ln>
+        </p:spPr>
+        <p:style>
+          <a:lnRef idx="2">
+            <a:schemeClr val="accent1">
+              <a:shade val="50000"/>
+            </a:schemeClr>
+          </a:lnRef>
+          <a:fillRef idx="1">
+            <a:schemeClr val="accent1"/>
+          </a:fillRef>
+          <a:effectRef idx="0">
+            <a:schemeClr val="accent1"/>
+          </a:effectRef>
+          <a:fontRef idx="minor">
+            <a:schemeClr val="lt1"/>
+          </a:fontRef>
+        </p:style>
+        <p:txBody>
+          <a:bodyPr rtlCol="0" anchor="ctr"/>
+          <a:lstStyle/>
+          <a:p>
+            <a:pPr algn="ctr"/>
+            <a:endParaRPr lang="ko-KR" altLang="en-US"/>
+          </a:p>
+        </p:txBody>
+      </p:sp>
+      <p:sp>
+        <p:nvSpPr>
+          <p:cNvPr id="15" name="설명선: 굽은 선 14">
+            <a:extLst>
+              <a:ext uri="{FF2B5EF4-FFF2-40B4-BE49-F238E27FC236}">
+                <a16:creationId xmlns:a16="http://schemas.microsoft.com/office/drawing/2014/main" id="{4C9BD996-45C5-4F01-9F49-2C640FBDBF9D}"/>
+              </a:ext>
+            </a:extLst>
+          </p:cNvPr>
+          <p:cNvSpPr/>
+          <p:nvPr/>
+        </p:nvSpPr>
+        <p:spPr>
+          <a:xfrm>
+            <a:off x="10488174" y="1340617"/>
+            <a:ext cx="1422155" cy="870058"/>
+          </a:xfrm>
+          <a:prstGeom prst="borderCallout2">
+            <a:avLst>
+              <a:gd name="adj1" fmla="val 32982"/>
+              <a:gd name="adj2" fmla="val -296"/>
+              <a:gd name="adj3" fmla="val 32982"/>
+              <a:gd name="adj4" fmla="val -21355"/>
+              <a:gd name="adj5" fmla="val 110310"/>
+              <a:gd name="adj6" fmla="val -21216"/>
+            </a:avLst>
+          </a:prstGeom>
+          <a:noFill/>
+          <a:ln>
+            <a:solidFill>
+              <a:schemeClr val="accent5">
+                <a:lumMod val="75000"/>
+              </a:schemeClr>
+            </a:solidFill>
+          </a:ln>
+        </p:spPr>
+        <p:style>
+          <a:lnRef idx="2">
+            <a:schemeClr val="accent1">
+              <a:shade val="50000"/>
+            </a:schemeClr>
+          </a:lnRef>
+          <a:fillRef idx="1">
+            <a:schemeClr val="accent1"/>
+          </a:fillRef>
+          <a:effectRef idx="0">
+            <a:schemeClr val="accent1"/>
+          </a:effectRef>
+          <a:fontRef idx="minor">
+            <a:schemeClr val="lt1"/>
+          </a:fontRef>
+        </p:style>
+        <p:txBody>
+          <a:bodyPr rtlCol="0" anchor="ctr"/>
+          <a:lstStyle/>
+          <a:p>
+            <a:pPr algn="ctr"/>
+            <a:r>
+              <a:rPr lang="en-US" altLang="ko-KR" dirty="0">
+                <a:solidFill>
+                  <a:schemeClr val="accent5">
+                    <a:lumMod val="75000"/>
+                  </a:schemeClr>
+                </a:solidFill>
+              </a:rPr>
+              <a:t>This Button is to show you this help.pptx</a:t>
+            </a:r>
+            <a:endParaRPr lang="ko-KR" altLang="en-US" dirty="0">
+              <a:solidFill>
+                <a:schemeClr val="accent5">
+                  <a:lumMod val="75000"/>
+                </a:schemeClr>
+              </a:solidFill>
+            </a:endParaRPr>
+          </a:p>
+        </p:txBody>
+      </p:sp>
+      <p:sp>
+        <p:nvSpPr>
+          <p:cNvPr id="17" name="직사각형 16">
+            <a:extLst>
+              <a:ext uri="{FF2B5EF4-FFF2-40B4-BE49-F238E27FC236}">
+                <a16:creationId xmlns:a16="http://schemas.microsoft.com/office/drawing/2014/main" id="{7B1011AB-656C-46BE-9C84-3BC8355A6E7F}"/>
+              </a:ext>
+            </a:extLst>
+          </p:cNvPr>
+          <p:cNvSpPr/>
+          <p:nvPr/>
+        </p:nvSpPr>
+        <p:spPr>
+          <a:xfrm>
+            <a:off x="8965955" y="2295525"/>
+            <a:ext cx="1016245" cy="247650"/>
+          </a:xfrm>
+          <a:prstGeom prst="rect">
+            <a:avLst/>
+          </a:prstGeom>
+          <a:noFill/>
+          <a:ln>
+            <a:solidFill>
+              <a:schemeClr val="accent5">
+                <a:lumMod val="75000"/>
+              </a:schemeClr>
+            </a:solidFill>
+          </a:ln>
+        </p:spPr>
+        <p:style>
+          <a:lnRef idx="2">
+            <a:schemeClr val="accent1">
+              <a:shade val="50000"/>
+            </a:schemeClr>
+          </a:lnRef>
+          <a:fillRef idx="1">
+            <a:schemeClr val="accent1"/>
+          </a:fillRef>
+          <a:effectRef idx="0">
+            <a:schemeClr val="accent1"/>
+          </a:effectRef>
+          <a:fontRef idx="minor">
+            <a:schemeClr val="lt1"/>
+          </a:fontRef>
+        </p:style>
+        <p:txBody>
+          <a:bodyPr rtlCol="0" anchor="ctr"/>
+          <a:lstStyle/>
+          <a:p>
+            <a:pPr algn="ctr"/>
+            <a:endParaRPr lang="ko-KR" altLang="en-US"/>
+          </a:p>
+        </p:txBody>
+      </p:sp>
+      <p:sp>
+        <p:nvSpPr>
+          <p:cNvPr id="18" name="설명선: 굽은 선 17">
+            <a:extLst>
+              <a:ext uri="{FF2B5EF4-FFF2-40B4-BE49-F238E27FC236}">
+                <a16:creationId xmlns:a16="http://schemas.microsoft.com/office/drawing/2014/main" id="{6E8D48E0-4570-4566-87BE-CC3FEF29D35F}"/>
+              </a:ext>
+            </a:extLst>
+          </p:cNvPr>
+          <p:cNvSpPr/>
+          <p:nvPr/>
+        </p:nvSpPr>
+        <p:spPr>
+          <a:xfrm>
+            <a:off x="7319962" y="777490"/>
+            <a:ext cx="2433638" cy="870058"/>
+          </a:xfrm>
+          <a:prstGeom prst="borderCallout2">
+            <a:avLst>
+              <a:gd name="adj1" fmla="val 100857"/>
+              <a:gd name="adj2" fmla="val 54681"/>
+              <a:gd name="adj3" fmla="val 121658"/>
+              <a:gd name="adj4" fmla="val 58480"/>
+              <a:gd name="adj5" fmla="val 173805"/>
+              <a:gd name="adj6" fmla="val 68075"/>
+            </a:avLst>
+          </a:prstGeom>
+          <a:noFill/>
+          <a:ln>
+            <a:solidFill>
+              <a:schemeClr val="accent5">
+                <a:lumMod val="75000"/>
+              </a:schemeClr>
+            </a:solidFill>
+          </a:ln>
+        </p:spPr>
+        <p:style>
+          <a:lnRef idx="2">
+            <a:schemeClr val="accent1">
+              <a:shade val="50000"/>
+            </a:schemeClr>
+          </a:lnRef>
+          <a:fillRef idx="1">
+            <a:schemeClr val="accent1"/>
+          </a:fillRef>
+          <a:effectRef idx="0">
+            <a:schemeClr val="accent1"/>
+          </a:effectRef>
+          <a:fontRef idx="minor">
+            <a:schemeClr val="lt1"/>
+          </a:fontRef>
+        </p:style>
+        <p:txBody>
+          <a:bodyPr rtlCol="0" anchor="ctr"/>
+          <a:lstStyle/>
+          <a:p>
+            <a:pPr algn="ctr"/>
+            <a:r>
+              <a:rPr lang="en-US" altLang="ko-KR" dirty="0">
+                <a:solidFill>
+                  <a:schemeClr val="accent5">
+                    <a:lumMod val="75000"/>
+                  </a:schemeClr>
+                </a:solidFill>
+              </a:rPr>
+              <a:t>You can choose previous attendance history if you want to know that</a:t>
+            </a:r>
+            <a:endParaRPr lang="ko-KR" altLang="en-US" dirty="0">
+              <a:solidFill>
+                <a:schemeClr val="accent5">
+                  <a:lumMod val="75000"/>
+                </a:schemeClr>
+              </a:solidFill>
+            </a:endParaRPr>
+          </a:p>
+        </p:txBody>
+      </p:sp>
+      <p:sp>
+        <p:nvSpPr>
+          <p:cNvPr id="19" name="설명선: 굽은 선 18">
+            <a:extLst>
+              <a:ext uri="{FF2B5EF4-FFF2-40B4-BE49-F238E27FC236}">
+                <a16:creationId xmlns:a16="http://schemas.microsoft.com/office/drawing/2014/main" id="{D342E196-AB14-4ED5-9FF1-55B8D9C13199}"/>
+              </a:ext>
+            </a:extLst>
+          </p:cNvPr>
+          <p:cNvSpPr/>
+          <p:nvPr/>
+        </p:nvSpPr>
+        <p:spPr>
+          <a:xfrm>
+            <a:off x="10469146" y="3434160"/>
+            <a:ext cx="1560929" cy="1118785"/>
+          </a:xfrm>
+          <a:prstGeom prst="borderCallout2">
+            <a:avLst>
+              <a:gd name="adj1" fmla="val -79902"/>
+              <a:gd name="adj2" fmla="val -40404"/>
+              <a:gd name="adj3" fmla="val 12"/>
+              <a:gd name="adj4" fmla="val -40692"/>
+              <a:gd name="adj5" fmla="val -261"/>
+              <a:gd name="adj6" fmla="val -27"/>
+            </a:avLst>
+          </a:prstGeom>
+          <a:noFill/>
+          <a:ln>
+            <a:solidFill>
+              <a:schemeClr val="accent5">
+                <a:lumMod val="75000"/>
+              </a:schemeClr>
+            </a:solidFill>
+          </a:ln>
+        </p:spPr>
+        <p:style>
+          <a:lnRef idx="2">
+            <a:schemeClr val="accent1">
+              <a:shade val="50000"/>
+            </a:schemeClr>
+          </a:lnRef>
+          <a:fillRef idx="1">
+            <a:schemeClr val="accent1"/>
+          </a:fillRef>
+          <a:effectRef idx="0">
+            <a:schemeClr val="accent1"/>
+          </a:effectRef>
+          <a:fontRef idx="minor">
+            <a:schemeClr val="lt1"/>
+          </a:fontRef>
+        </p:style>
+        <p:txBody>
+          <a:bodyPr rtlCol="0" anchor="ctr"/>
+          <a:lstStyle/>
+          <a:p>
+            <a:pPr algn="ctr"/>
+            <a:r>
+              <a:rPr lang="en-US" altLang="ko-KR" dirty="0">
+                <a:solidFill>
+                  <a:schemeClr val="accent5">
+                    <a:lumMod val="75000"/>
+                  </a:schemeClr>
+                </a:solidFill>
+              </a:rPr>
+              <a:t>Originally, this show you latest history file</a:t>
+            </a:r>
+            <a:endParaRPr lang="ko-KR" altLang="en-US" dirty="0">
+              <a:solidFill>
+                <a:schemeClr val="accent5">
+                  <a:lumMod val="75000"/>
+                </a:schemeClr>
+              </a:solidFill>
+            </a:endParaRPr>
+          </a:p>
+        </p:txBody>
+      </p:sp>
+      <p:sp>
+        <p:nvSpPr>
+          <p:cNvPr id="20" name="설명선: 굽은 선 19">
+            <a:extLst>
+              <a:ext uri="{FF2B5EF4-FFF2-40B4-BE49-F238E27FC236}">
+                <a16:creationId xmlns:a16="http://schemas.microsoft.com/office/drawing/2014/main" id="{5BDCD610-35C8-48FD-BC9B-063AA1C34592}"/>
+              </a:ext>
+            </a:extLst>
+          </p:cNvPr>
+          <p:cNvSpPr/>
+          <p:nvPr/>
+        </p:nvSpPr>
+        <p:spPr>
+          <a:xfrm>
+            <a:off x="4000500" y="777490"/>
+            <a:ext cx="3094364" cy="870058"/>
+          </a:xfrm>
+          <a:prstGeom prst="borderCallout2">
+            <a:avLst>
+              <a:gd name="adj1" fmla="val 99763"/>
+              <a:gd name="adj2" fmla="val 99300"/>
+              <a:gd name="adj3" fmla="val 121658"/>
+              <a:gd name="adj4" fmla="val 105838"/>
+              <a:gd name="adj5" fmla="val 172710"/>
+              <a:gd name="adj6" fmla="val 120130"/>
+            </a:avLst>
+          </a:prstGeom>
+          <a:noFill/>
+          <a:ln>
+            <a:solidFill>
+              <a:schemeClr val="accent5">
+                <a:lumMod val="75000"/>
+              </a:schemeClr>
+            </a:solidFill>
+          </a:ln>
+        </p:spPr>
+        <p:style>
+          <a:lnRef idx="2">
+            <a:schemeClr val="accent1">
+              <a:shade val="50000"/>
+            </a:schemeClr>
+          </a:lnRef>
+          <a:fillRef idx="1">
+            <a:schemeClr val="accent1"/>
+          </a:fillRef>
+          <a:effectRef idx="0">
+            <a:schemeClr val="accent1"/>
+          </a:effectRef>
+          <a:fontRef idx="minor">
+            <a:schemeClr val="lt1"/>
+          </a:fontRef>
+        </p:style>
+        <p:txBody>
+          <a:bodyPr rtlCol="0" anchor="ctr"/>
+          <a:lstStyle/>
+          <a:p>
+            <a:pPr algn="ctr"/>
+            <a:r>
+              <a:rPr lang="en-US" altLang="ko-KR" dirty="0">
+                <a:solidFill>
+                  <a:schemeClr val="accent5">
+                    <a:lumMod val="75000"/>
+                  </a:schemeClr>
+                </a:solidFill>
+              </a:rPr>
+              <a:t>Attendance Count is limited to 25 per a page, so If this page is full, please click this button</a:t>
+            </a:r>
+            <a:endParaRPr lang="ko-KR" altLang="en-US" dirty="0">
+              <a:solidFill>
+                <a:schemeClr val="accent5">
+                  <a:lumMod val="75000"/>
+                </a:schemeClr>
+              </a:solidFill>
+            </a:endParaRPr>
+          </a:p>
+        </p:txBody>
+      </p:sp>
+      <p:sp>
+        <p:nvSpPr>
+          <p:cNvPr id="21" name="직사각형 20">
+            <a:extLst>
+              <a:ext uri="{FF2B5EF4-FFF2-40B4-BE49-F238E27FC236}">
+                <a16:creationId xmlns:a16="http://schemas.microsoft.com/office/drawing/2014/main" id="{9E549A81-95A1-4A62-896E-94FA8602A675}"/>
+              </a:ext>
+            </a:extLst>
+          </p:cNvPr>
+          <p:cNvSpPr/>
+          <p:nvPr/>
+        </p:nvSpPr>
+        <p:spPr>
+          <a:xfrm>
+            <a:off x="7022855" y="2295525"/>
+            <a:ext cx="1016245" cy="247650"/>
+          </a:xfrm>
+          <a:prstGeom prst="rect">
+            <a:avLst/>
+          </a:prstGeom>
+          <a:noFill/>
+          <a:ln>
+            <a:solidFill>
+              <a:schemeClr val="accent5">
+                <a:lumMod val="75000"/>
+              </a:schemeClr>
+            </a:solidFill>
+          </a:ln>
+        </p:spPr>
+        <p:style>
+          <a:lnRef idx="2">
+            <a:schemeClr val="accent1">
+              <a:shade val="50000"/>
+            </a:schemeClr>
+          </a:lnRef>
+          <a:fillRef idx="1">
+            <a:schemeClr val="accent1"/>
+          </a:fillRef>
+          <a:effectRef idx="0">
+            <a:schemeClr val="accent1"/>
+          </a:effectRef>
+          <a:fontRef idx="minor">
+            <a:schemeClr val="lt1"/>
+          </a:fontRef>
+        </p:style>
+        <p:txBody>
+          <a:bodyPr rtlCol="0" anchor="ctr"/>
+          <a:lstStyle/>
+          <a:p>
+            <a:pPr algn="ctr"/>
+            <a:endParaRPr lang="ko-KR" altLang="en-US"/>
+          </a:p>
+        </p:txBody>
+      </p:sp>
+      <p:sp>
+        <p:nvSpPr>
+          <p:cNvPr id="22" name="설명선: 굽은 선 21">
+            <a:extLst>
+              <a:ext uri="{FF2B5EF4-FFF2-40B4-BE49-F238E27FC236}">
+                <a16:creationId xmlns:a16="http://schemas.microsoft.com/office/drawing/2014/main" id="{FF6D6BC6-5703-4879-9216-003F8645AAF0}"/>
+              </a:ext>
+            </a:extLst>
+          </p:cNvPr>
+          <p:cNvSpPr/>
+          <p:nvPr/>
+        </p:nvSpPr>
+        <p:spPr>
+          <a:xfrm>
+            <a:off x="140313" y="3758052"/>
+            <a:ext cx="1468018" cy="1580381"/>
+          </a:xfrm>
+          <a:prstGeom prst="borderCallout2">
+            <a:avLst>
+              <a:gd name="adj1" fmla="val -121"/>
+              <a:gd name="adj2" fmla="val 49494"/>
+              <a:gd name="adj3" fmla="val -55643"/>
+              <a:gd name="adj4" fmla="val 49532"/>
+              <a:gd name="adj5" fmla="val -56049"/>
+              <a:gd name="adj6" fmla="val 108436"/>
+            </a:avLst>
+          </a:prstGeom>
+          <a:noFill/>
+          <a:ln>
+            <a:solidFill>
+              <a:schemeClr val="accent5">
+                <a:lumMod val="75000"/>
+              </a:schemeClr>
+            </a:solidFill>
+          </a:ln>
+        </p:spPr>
+        <p:style>
+          <a:lnRef idx="2">
+            <a:schemeClr val="accent1">
+              <a:shade val="50000"/>
+            </a:schemeClr>
+          </a:lnRef>
+          <a:fillRef idx="1">
+            <a:schemeClr val="accent1"/>
+          </a:fillRef>
+          <a:effectRef idx="0">
+            <a:schemeClr val="accent1"/>
+          </a:effectRef>
+          <a:fontRef idx="minor">
+            <a:schemeClr val="lt1"/>
+          </a:fontRef>
+        </p:style>
+        <p:txBody>
+          <a:bodyPr rtlCol="0" anchor="ctr"/>
+          <a:lstStyle/>
+          <a:p>
+            <a:pPr algn="ctr"/>
+            <a:r>
+              <a:rPr lang="en-US" altLang="ko-KR" dirty="0">
+                <a:solidFill>
+                  <a:schemeClr val="accent5">
+                    <a:lumMod val="75000"/>
+                  </a:schemeClr>
+                </a:solidFill>
+              </a:rPr>
+              <a:t>If you want to get filtered list, input text and then “A” will be filtered.</a:t>
+            </a:r>
+            <a:endParaRPr lang="ko-KR" altLang="en-US" dirty="0">
+              <a:solidFill>
+                <a:schemeClr val="accent5">
+                  <a:lumMod val="75000"/>
+                </a:schemeClr>
+              </a:solidFill>
+            </a:endParaRPr>
+          </a:p>
+        </p:txBody>
+      </p:sp>
+      <p:sp>
+        <p:nvSpPr>
+          <p:cNvPr id="23" name="설명선: 굽은 선 22">
+            <a:extLst>
+              <a:ext uri="{FF2B5EF4-FFF2-40B4-BE49-F238E27FC236}">
+                <a16:creationId xmlns:a16="http://schemas.microsoft.com/office/drawing/2014/main" id="{B965A110-8DB4-44AD-81DB-A19B6F8DF660}"/>
+              </a:ext>
+            </a:extLst>
+          </p:cNvPr>
+          <p:cNvSpPr/>
+          <p:nvPr/>
+        </p:nvSpPr>
+        <p:spPr>
+          <a:xfrm>
+            <a:off x="612037" y="776234"/>
+            <a:ext cx="3094364" cy="870058"/>
+          </a:xfrm>
+          <a:prstGeom prst="borderCallout2">
+            <a:avLst>
+              <a:gd name="adj1" fmla="val 98668"/>
+              <a:gd name="adj2" fmla="val 99916"/>
+              <a:gd name="adj3" fmla="val 136985"/>
+              <a:gd name="adj4" fmla="val 97527"/>
+              <a:gd name="adj5" fmla="val 172710"/>
+              <a:gd name="adj6" fmla="val 95812"/>
+            </a:avLst>
+          </a:prstGeom>
+          <a:noFill/>
+          <a:ln>
+            <a:solidFill>
+              <a:schemeClr val="accent5">
+                <a:lumMod val="75000"/>
+              </a:schemeClr>
+            </a:solidFill>
+          </a:ln>
+        </p:spPr>
+        <p:style>
+          <a:lnRef idx="2">
+            <a:schemeClr val="accent1">
+              <a:shade val="50000"/>
+            </a:schemeClr>
+          </a:lnRef>
+          <a:fillRef idx="1">
+            <a:schemeClr val="accent1"/>
+          </a:fillRef>
+          <a:effectRef idx="0">
+            <a:schemeClr val="accent1"/>
+          </a:effectRef>
+          <a:fontRef idx="minor">
+            <a:schemeClr val="lt1"/>
+          </a:fontRef>
+        </p:style>
+        <p:txBody>
+          <a:bodyPr rtlCol="0" anchor="ctr"/>
+          <a:lstStyle/>
+          <a:p>
+            <a:pPr algn="ctr"/>
+            <a:r>
+              <a:rPr lang="en-US" altLang="ko-KR" dirty="0">
+                <a:solidFill>
+                  <a:schemeClr val="accent5">
+                    <a:lumMod val="75000"/>
+                  </a:schemeClr>
+                </a:solidFill>
+              </a:rPr>
+              <a:t>If you select member in “A”, this label will be changed to the name which you choose </a:t>
+            </a:r>
+            <a:endParaRPr lang="ko-KR" altLang="en-US" dirty="0">
+              <a:solidFill>
+                <a:schemeClr val="accent5">
+                  <a:lumMod val="75000"/>
+                </a:schemeClr>
+              </a:solidFill>
+            </a:endParaRPr>
+          </a:p>
+        </p:txBody>
+      </p:sp>
+      <p:sp>
+        <p:nvSpPr>
+          <p:cNvPr id="26" name="직사각형 25">
+            <a:extLst>
+              <a:ext uri="{FF2B5EF4-FFF2-40B4-BE49-F238E27FC236}">
+                <a16:creationId xmlns:a16="http://schemas.microsoft.com/office/drawing/2014/main" id="{D5F3B971-5D27-4872-B6BE-4F683010A61F}"/>
+              </a:ext>
+            </a:extLst>
+          </p:cNvPr>
+          <p:cNvSpPr/>
+          <p:nvPr/>
+        </p:nvSpPr>
+        <p:spPr>
+          <a:xfrm>
+            <a:off x="1771650" y="2295525"/>
+            <a:ext cx="2442873" cy="247650"/>
+          </a:xfrm>
+          <a:prstGeom prst="rect">
+            <a:avLst/>
+          </a:prstGeom>
+          <a:noFill/>
+          <a:ln>
+            <a:solidFill>
+              <a:schemeClr val="accent5">
+                <a:lumMod val="75000"/>
+              </a:schemeClr>
+            </a:solidFill>
+          </a:ln>
+        </p:spPr>
+        <p:style>
+          <a:lnRef idx="2">
+            <a:schemeClr val="accent1">
+              <a:shade val="50000"/>
+            </a:schemeClr>
+          </a:lnRef>
+          <a:fillRef idx="1">
+            <a:schemeClr val="accent1"/>
+          </a:fillRef>
+          <a:effectRef idx="0">
+            <a:schemeClr val="accent1"/>
+          </a:effectRef>
+          <a:fontRef idx="minor">
+            <a:schemeClr val="lt1"/>
+          </a:fontRef>
+        </p:style>
+        <p:txBody>
+          <a:bodyPr rtlCol="0" anchor="ctr"/>
+          <a:lstStyle/>
+          <a:p>
+            <a:pPr algn="ctr"/>
+            <a:endParaRPr lang="ko-KR" altLang="en-US"/>
+          </a:p>
+        </p:txBody>
+      </p:sp>
+      <p:sp>
+        <p:nvSpPr>
+          <p:cNvPr id="27" name="직사각형 26">
+            <a:extLst>
+              <a:ext uri="{FF2B5EF4-FFF2-40B4-BE49-F238E27FC236}">
+                <a16:creationId xmlns:a16="http://schemas.microsoft.com/office/drawing/2014/main" id="{358AEF05-E40B-4037-9FB6-71F25013B019}"/>
+              </a:ext>
+            </a:extLst>
+          </p:cNvPr>
+          <p:cNvSpPr/>
+          <p:nvPr/>
+        </p:nvSpPr>
+        <p:spPr>
+          <a:xfrm>
+            <a:off x="3130756" y="4415108"/>
+            <a:ext cx="603049" cy="923330"/>
+          </a:xfrm>
+          <a:prstGeom prst="rect">
+            <a:avLst/>
+          </a:prstGeom>
+          <a:noFill/>
+        </p:spPr>
+        <p:txBody>
+          <a:bodyPr wrap="none" lIns="91440" tIns="45720" rIns="91440" bIns="45720">
+            <a:spAutoFit/>
+          </a:bodyPr>
+          <a:lstStyle/>
+          <a:p>
+            <a:pPr algn="ctr"/>
+            <a:r>
+              <a:rPr lang="en-US" altLang="ko-KR" sz="5400" dirty="0">
+                <a:ln w="0"/>
+                <a:solidFill>
+                  <a:schemeClr val="accent5">
+                    <a:lumMod val="75000"/>
+                  </a:schemeClr>
+                </a:solidFill>
+                <a:effectLst>
+                  <a:outerShdw blurRad="38100" dist="19050" dir="2700000" algn="tl" rotWithShape="0">
+                    <a:schemeClr val="dk1">
+                      <a:alpha val="40000"/>
+                    </a:schemeClr>
+                  </a:outerShdw>
+                </a:effectLst>
+              </a:rPr>
+              <a:t>A</a:t>
+            </a:r>
+          </a:p>
+        </p:txBody>
+      </p:sp>
+      <p:sp>
+        <p:nvSpPr>
+          <p:cNvPr id="28" name="직사각형 27">
+            <a:extLst>
+              <a:ext uri="{FF2B5EF4-FFF2-40B4-BE49-F238E27FC236}">
+                <a16:creationId xmlns:a16="http://schemas.microsoft.com/office/drawing/2014/main" id="{10FA36D0-C856-4AF2-81BD-D23B6D623C39}"/>
+              </a:ext>
+            </a:extLst>
+          </p:cNvPr>
+          <p:cNvSpPr/>
+          <p:nvPr/>
+        </p:nvSpPr>
+        <p:spPr>
+          <a:xfrm>
+            <a:off x="1743075" y="3037498"/>
+            <a:ext cx="1909656" cy="2125052"/>
+          </a:xfrm>
+          <a:prstGeom prst="rect">
+            <a:avLst/>
+          </a:prstGeom>
+          <a:noFill/>
+          <a:ln>
+            <a:solidFill>
+              <a:schemeClr val="accent5">
+                <a:lumMod val="75000"/>
+              </a:schemeClr>
+            </a:solidFill>
+          </a:ln>
+        </p:spPr>
+        <p:style>
+          <a:lnRef idx="2">
+            <a:schemeClr val="accent1">
+              <a:shade val="50000"/>
+            </a:schemeClr>
+          </a:lnRef>
+          <a:fillRef idx="1">
+            <a:schemeClr val="accent1"/>
+          </a:fillRef>
+          <a:effectRef idx="0">
+            <a:schemeClr val="accent1"/>
+          </a:effectRef>
+          <a:fontRef idx="minor">
+            <a:schemeClr val="lt1"/>
+          </a:fontRef>
+        </p:style>
+        <p:txBody>
+          <a:bodyPr rtlCol="0" anchor="ctr"/>
+          <a:lstStyle/>
+          <a:p>
+            <a:pPr algn="ctr"/>
+            <a:endParaRPr lang="ko-KR" altLang="en-US"/>
+          </a:p>
+        </p:txBody>
+      </p:sp>
+      <p:sp>
+        <p:nvSpPr>
+          <p:cNvPr id="30" name="직사각형 29">
+            <a:extLst>
+              <a:ext uri="{FF2B5EF4-FFF2-40B4-BE49-F238E27FC236}">
+                <a16:creationId xmlns:a16="http://schemas.microsoft.com/office/drawing/2014/main" id="{E6BC2D5B-24E1-4B29-A3D3-B4AD1D1D32B1}"/>
+              </a:ext>
+            </a:extLst>
+          </p:cNvPr>
+          <p:cNvSpPr/>
+          <p:nvPr/>
+        </p:nvSpPr>
+        <p:spPr>
+          <a:xfrm>
+            <a:off x="9888702" y="4415108"/>
+            <a:ext cx="530916" cy="923330"/>
+          </a:xfrm>
+          <a:prstGeom prst="rect">
+            <a:avLst/>
+          </a:prstGeom>
+          <a:noFill/>
+        </p:spPr>
+        <p:txBody>
+          <a:bodyPr wrap="none" lIns="91440" tIns="45720" rIns="91440" bIns="45720">
+            <a:spAutoFit/>
+          </a:bodyPr>
+          <a:lstStyle/>
+          <a:p>
+            <a:pPr algn="ctr"/>
+            <a:r>
+              <a:rPr lang="en-US" altLang="ko-KR" sz="5400" dirty="0">
+                <a:ln w="0"/>
+                <a:solidFill>
+                  <a:schemeClr val="accent5">
+                    <a:lumMod val="75000"/>
+                  </a:schemeClr>
+                </a:solidFill>
+                <a:effectLst>
+                  <a:outerShdw blurRad="38100" dist="19050" dir="2700000" algn="tl" rotWithShape="0">
+                    <a:schemeClr val="dk1">
+                      <a:alpha val="40000"/>
+                    </a:schemeClr>
+                  </a:outerShdw>
+                </a:effectLst>
+              </a:rPr>
+              <a:t>B</a:t>
+            </a:r>
+          </a:p>
+        </p:txBody>
+      </p:sp>
+      <p:sp>
+        <p:nvSpPr>
+          <p:cNvPr id="31" name="직사각형 30">
+            <a:extLst>
+              <a:ext uri="{FF2B5EF4-FFF2-40B4-BE49-F238E27FC236}">
+                <a16:creationId xmlns:a16="http://schemas.microsoft.com/office/drawing/2014/main" id="{D48CBD8E-BE62-43DF-BD25-3A37DC186C60}"/>
+              </a:ext>
+            </a:extLst>
+          </p:cNvPr>
+          <p:cNvSpPr/>
+          <p:nvPr/>
+        </p:nvSpPr>
+        <p:spPr>
+          <a:xfrm>
+            <a:off x="3706401" y="2575832"/>
+            <a:ext cx="6661450" cy="2586717"/>
+          </a:xfrm>
+          <a:prstGeom prst="rect">
+            <a:avLst/>
+          </a:prstGeom>
+          <a:noFill/>
+          <a:ln>
+            <a:solidFill>
+              <a:schemeClr val="accent5">
+                <a:lumMod val="75000"/>
+              </a:schemeClr>
+            </a:solidFill>
+          </a:ln>
+        </p:spPr>
+        <p:style>
+          <a:lnRef idx="2">
+            <a:schemeClr val="accent1">
+              <a:shade val="50000"/>
+            </a:schemeClr>
+          </a:lnRef>
+          <a:fillRef idx="1">
+            <a:schemeClr val="accent1"/>
+          </a:fillRef>
+          <a:effectRef idx="0">
+            <a:schemeClr val="accent1"/>
+          </a:effectRef>
+          <a:fontRef idx="minor">
+            <a:schemeClr val="lt1"/>
+          </a:fontRef>
+        </p:style>
+        <p:txBody>
+          <a:bodyPr rtlCol="0" anchor="ctr"/>
+          <a:lstStyle/>
+          <a:p>
+            <a:pPr algn="ctr"/>
+            <a:endParaRPr lang="ko-KR" altLang="en-US"/>
+          </a:p>
+        </p:txBody>
+      </p:sp>
+      <p:sp>
+        <p:nvSpPr>
+          <p:cNvPr id="35" name="직사각형 34">
+            <a:extLst>
+              <a:ext uri="{FF2B5EF4-FFF2-40B4-BE49-F238E27FC236}">
+                <a16:creationId xmlns:a16="http://schemas.microsoft.com/office/drawing/2014/main" id="{B7B8EC4A-7D42-4ACA-9912-535CFCE54556}"/>
+              </a:ext>
+            </a:extLst>
+          </p:cNvPr>
+          <p:cNvSpPr/>
+          <p:nvPr/>
+        </p:nvSpPr>
+        <p:spPr>
+          <a:xfrm>
+            <a:off x="6067425" y="2295525"/>
+            <a:ext cx="892619" cy="247650"/>
+          </a:xfrm>
+          <a:prstGeom prst="rect">
+            <a:avLst/>
+          </a:prstGeom>
+          <a:noFill/>
+          <a:ln>
+            <a:solidFill>
+              <a:schemeClr val="accent5">
+                <a:lumMod val="75000"/>
+              </a:schemeClr>
+            </a:solidFill>
+          </a:ln>
+        </p:spPr>
+        <p:style>
+          <a:lnRef idx="2">
+            <a:schemeClr val="accent1">
+              <a:shade val="50000"/>
+            </a:schemeClr>
+          </a:lnRef>
+          <a:fillRef idx="1">
+            <a:schemeClr val="accent1"/>
+          </a:fillRef>
+          <a:effectRef idx="0">
+            <a:schemeClr val="accent1"/>
+          </a:effectRef>
+          <a:fontRef idx="minor">
+            <a:schemeClr val="lt1"/>
+          </a:fontRef>
+        </p:style>
+        <p:txBody>
+          <a:bodyPr rtlCol="0" anchor="ctr"/>
+          <a:lstStyle/>
+          <a:p>
+            <a:pPr algn="ctr"/>
+            <a:endParaRPr lang="ko-KR" altLang="en-US"/>
+          </a:p>
+        </p:txBody>
+      </p:sp>
+      <p:sp>
+        <p:nvSpPr>
+          <p:cNvPr id="36" name="설명선: 굽은 선 35">
+            <a:extLst>
+              <a:ext uri="{FF2B5EF4-FFF2-40B4-BE49-F238E27FC236}">
+                <a16:creationId xmlns:a16="http://schemas.microsoft.com/office/drawing/2014/main" id="{1C8EFBE3-EBDC-4D45-AB95-B578CD695D4F}"/>
+              </a:ext>
+            </a:extLst>
+          </p:cNvPr>
+          <p:cNvSpPr/>
+          <p:nvPr/>
+        </p:nvSpPr>
+        <p:spPr>
+          <a:xfrm>
+            <a:off x="7494593" y="3521047"/>
+            <a:ext cx="2487607" cy="1187656"/>
+          </a:xfrm>
+          <a:prstGeom prst="borderCallout2">
+            <a:avLst>
+              <a:gd name="adj1" fmla="val -79902"/>
+              <a:gd name="adj2" fmla="val -46506"/>
+              <a:gd name="adj3" fmla="val -18434"/>
+              <a:gd name="adj4" fmla="val -46746"/>
+              <a:gd name="adj5" fmla="val 1343"/>
+              <a:gd name="adj6" fmla="val 583"/>
+            </a:avLst>
+          </a:prstGeom>
+          <a:noFill/>
+          <a:ln>
+            <a:solidFill>
+              <a:schemeClr val="accent5">
+                <a:lumMod val="75000"/>
+              </a:schemeClr>
+            </a:solidFill>
+          </a:ln>
+        </p:spPr>
+        <p:style>
+          <a:lnRef idx="2">
+            <a:schemeClr val="accent1">
+              <a:shade val="50000"/>
+            </a:schemeClr>
+          </a:lnRef>
+          <a:fillRef idx="1">
+            <a:schemeClr val="accent1"/>
+          </a:fillRef>
+          <a:effectRef idx="0">
+            <a:schemeClr val="accent1"/>
+          </a:effectRef>
+          <a:fontRef idx="minor">
+            <a:schemeClr val="lt1"/>
+          </a:fontRef>
+        </p:style>
+        <p:txBody>
+          <a:bodyPr rtlCol="0" anchor="ctr"/>
+          <a:lstStyle/>
+          <a:p>
+            <a:pPr algn="ctr"/>
+            <a:r>
+              <a:rPr lang="en-US" altLang="ko-KR" dirty="0">
+                <a:solidFill>
+                  <a:schemeClr val="accent5">
+                    <a:lumMod val="75000"/>
+                  </a:schemeClr>
+                </a:solidFill>
+              </a:rPr>
+              <a:t>If you complete to select date and count, click this button, and then “c” is change to green color</a:t>
+            </a:r>
+            <a:endParaRPr lang="ko-KR" altLang="en-US" dirty="0">
+              <a:solidFill>
+                <a:schemeClr val="accent5">
+                  <a:lumMod val="75000"/>
+                </a:schemeClr>
+              </a:solidFill>
+            </a:endParaRPr>
+          </a:p>
+        </p:txBody>
+      </p:sp>
+      <p:sp>
+        <p:nvSpPr>
+          <p:cNvPr id="42" name="직사각형 41">
+            <a:extLst>
+              <a:ext uri="{FF2B5EF4-FFF2-40B4-BE49-F238E27FC236}">
+                <a16:creationId xmlns:a16="http://schemas.microsoft.com/office/drawing/2014/main" id="{A431B8F5-7E6A-4C9F-BF0B-A40E9ED7D6F6}"/>
+              </a:ext>
+            </a:extLst>
+          </p:cNvPr>
+          <p:cNvSpPr/>
+          <p:nvPr/>
+        </p:nvSpPr>
+        <p:spPr>
+          <a:xfrm>
+            <a:off x="5061674" y="2280280"/>
+            <a:ext cx="892619" cy="247650"/>
+          </a:xfrm>
+          <a:prstGeom prst="rect">
+            <a:avLst/>
+          </a:prstGeom>
+          <a:noFill/>
+          <a:ln>
+            <a:solidFill>
+              <a:schemeClr val="accent5">
+                <a:lumMod val="75000"/>
+              </a:schemeClr>
+            </a:solidFill>
+          </a:ln>
+        </p:spPr>
+        <p:style>
+          <a:lnRef idx="2">
+            <a:schemeClr val="accent1">
+              <a:shade val="50000"/>
+            </a:schemeClr>
+          </a:lnRef>
+          <a:fillRef idx="1">
+            <a:schemeClr val="accent1"/>
+          </a:fillRef>
+          <a:effectRef idx="0">
+            <a:schemeClr val="accent1"/>
+          </a:effectRef>
+          <a:fontRef idx="minor">
+            <a:schemeClr val="lt1"/>
+          </a:fontRef>
+        </p:style>
+        <p:txBody>
+          <a:bodyPr rtlCol="0" anchor="ctr"/>
+          <a:lstStyle/>
+          <a:p>
+            <a:pPr algn="ctr"/>
+            <a:endParaRPr lang="ko-KR" altLang="en-US"/>
+          </a:p>
+        </p:txBody>
+      </p:sp>
+      <p:sp>
+        <p:nvSpPr>
+          <p:cNvPr id="43" name="설명선: 굽은 선 42">
+            <a:extLst>
+              <a:ext uri="{FF2B5EF4-FFF2-40B4-BE49-F238E27FC236}">
+                <a16:creationId xmlns:a16="http://schemas.microsoft.com/office/drawing/2014/main" id="{6825DA22-7932-4659-B779-33DD6ABC486F}"/>
+              </a:ext>
+            </a:extLst>
+          </p:cNvPr>
+          <p:cNvSpPr/>
+          <p:nvPr/>
+        </p:nvSpPr>
+        <p:spPr>
+          <a:xfrm>
+            <a:off x="5040413" y="3689117"/>
+            <a:ext cx="2253786" cy="1187656"/>
+          </a:xfrm>
+          <a:prstGeom prst="borderCallout2">
+            <a:avLst>
+              <a:gd name="adj1" fmla="val -98348"/>
+              <a:gd name="adj2" fmla="val 497"/>
+              <a:gd name="adj3" fmla="val -25652"/>
+              <a:gd name="adj4" fmla="val 397"/>
+              <a:gd name="adj5" fmla="val -261"/>
+              <a:gd name="adj6" fmla="val 406"/>
+            </a:avLst>
+          </a:prstGeom>
+          <a:noFill/>
+          <a:ln>
+            <a:solidFill>
+              <a:schemeClr val="accent5">
+                <a:lumMod val="75000"/>
+              </a:schemeClr>
+            </a:solidFill>
+          </a:ln>
+        </p:spPr>
+        <p:style>
+          <a:lnRef idx="2">
+            <a:schemeClr val="accent1">
+              <a:shade val="50000"/>
+            </a:schemeClr>
+          </a:lnRef>
+          <a:fillRef idx="1">
+            <a:schemeClr val="accent1"/>
+          </a:fillRef>
+          <a:effectRef idx="0">
+            <a:schemeClr val="accent1"/>
+          </a:effectRef>
+          <a:fontRef idx="minor">
+            <a:schemeClr val="lt1"/>
+          </a:fontRef>
+        </p:style>
+        <p:txBody>
+          <a:bodyPr rtlCol="0" anchor="ctr"/>
+          <a:lstStyle/>
+          <a:p>
+            <a:pPr algn="ctr"/>
+            <a:r>
+              <a:rPr lang="en-US" altLang="ko-KR" dirty="0">
+                <a:solidFill>
+                  <a:schemeClr val="accent5">
+                    <a:lumMod val="75000"/>
+                  </a:schemeClr>
+                </a:solidFill>
+              </a:rPr>
+              <a:t>If you click this button, it will add new date and numeric count to “B”</a:t>
+            </a:r>
+            <a:endParaRPr lang="ko-KR" altLang="en-US" dirty="0">
+              <a:solidFill>
+                <a:schemeClr val="accent5">
+                  <a:lumMod val="75000"/>
+                </a:schemeClr>
+              </a:solidFill>
+            </a:endParaRPr>
+          </a:p>
+        </p:txBody>
+      </p:sp>
+      <p:sp>
+        <p:nvSpPr>
+          <p:cNvPr id="44" name="직사각형 43">
+            <a:extLst>
+              <a:ext uri="{FF2B5EF4-FFF2-40B4-BE49-F238E27FC236}">
+                <a16:creationId xmlns:a16="http://schemas.microsoft.com/office/drawing/2014/main" id="{6521B17B-77C0-417A-9A02-65615D46E3C1}"/>
+              </a:ext>
+            </a:extLst>
+          </p:cNvPr>
+          <p:cNvSpPr/>
+          <p:nvPr/>
+        </p:nvSpPr>
+        <p:spPr>
+          <a:xfrm>
+            <a:off x="7593997" y="2465028"/>
+            <a:ext cx="450764" cy="923330"/>
+          </a:xfrm>
+          <a:prstGeom prst="rect">
+            <a:avLst/>
+          </a:prstGeom>
+          <a:noFill/>
+        </p:spPr>
+        <p:txBody>
+          <a:bodyPr wrap="none" lIns="91440" tIns="45720" rIns="91440" bIns="45720">
+            <a:spAutoFit/>
+          </a:bodyPr>
+          <a:lstStyle/>
+          <a:p>
+            <a:pPr algn="ctr"/>
+            <a:r>
+              <a:rPr lang="en-US" altLang="ko-KR" sz="5400" dirty="0">
+                <a:ln w="0"/>
+                <a:solidFill>
+                  <a:schemeClr val="accent5">
+                    <a:lumMod val="75000"/>
+                  </a:schemeClr>
+                </a:solidFill>
+                <a:effectLst>
+                  <a:outerShdw blurRad="38100" dist="19050" dir="2700000" algn="tl" rotWithShape="0">
+                    <a:schemeClr val="dk1">
+                      <a:alpha val="40000"/>
+                    </a:schemeClr>
+                  </a:outerShdw>
+                </a:effectLst>
+              </a:rPr>
+              <a:t>c</a:t>
+            </a:r>
+          </a:p>
+        </p:txBody>
+      </p:sp>
+      <p:sp>
+        <p:nvSpPr>
+          <p:cNvPr id="45" name="직사각형 44">
+            <a:extLst>
+              <a:ext uri="{FF2B5EF4-FFF2-40B4-BE49-F238E27FC236}">
+                <a16:creationId xmlns:a16="http://schemas.microsoft.com/office/drawing/2014/main" id="{8FC21B77-9EDE-453D-8EEB-79CC4EF2F6EA}"/>
+              </a:ext>
+            </a:extLst>
+          </p:cNvPr>
+          <p:cNvSpPr/>
+          <p:nvPr/>
+        </p:nvSpPr>
+        <p:spPr>
+          <a:xfrm>
+            <a:off x="6786076" y="2844722"/>
+            <a:ext cx="860929" cy="192776"/>
+          </a:xfrm>
+          <a:prstGeom prst="rect">
+            <a:avLst/>
+          </a:prstGeom>
+          <a:noFill/>
+          <a:ln>
+            <a:solidFill>
+              <a:schemeClr val="accent5">
+                <a:lumMod val="75000"/>
+              </a:schemeClr>
+            </a:solidFill>
+          </a:ln>
+        </p:spPr>
+        <p:style>
+          <a:lnRef idx="2">
+            <a:schemeClr val="accent1">
+              <a:shade val="50000"/>
+            </a:schemeClr>
+          </a:lnRef>
+          <a:fillRef idx="1">
+            <a:schemeClr val="accent1"/>
+          </a:fillRef>
+          <a:effectRef idx="0">
+            <a:schemeClr val="accent1"/>
+          </a:effectRef>
+          <a:fontRef idx="minor">
+            <a:schemeClr val="lt1"/>
+          </a:fontRef>
+        </p:style>
+        <p:txBody>
+          <a:bodyPr rtlCol="0" anchor="ctr"/>
+          <a:lstStyle/>
+          <a:p>
+            <a:pPr algn="ctr"/>
+            <a:endParaRPr lang="ko-KR" altLang="en-US"/>
+          </a:p>
+        </p:txBody>
+      </p:sp>
+      <p:sp>
+        <p:nvSpPr>
+          <p:cNvPr id="46" name="직사각형 45">
+            <a:extLst>
+              <a:ext uri="{FF2B5EF4-FFF2-40B4-BE49-F238E27FC236}">
+                <a16:creationId xmlns:a16="http://schemas.microsoft.com/office/drawing/2014/main" id="{D7453CFF-F577-41CE-A061-A4696A155F9A}"/>
+              </a:ext>
+            </a:extLst>
+          </p:cNvPr>
+          <p:cNvSpPr/>
+          <p:nvPr/>
+        </p:nvSpPr>
+        <p:spPr>
+          <a:xfrm>
+            <a:off x="1743076" y="2838726"/>
+            <a:ext cx="1890628" cy="176741"/>
+          </a:xfrm>
+          <a:prstGeom prst="rect">
+            <a:avLst/>
+          </a:prstGeom>
+          <a:noFill/>
+          <a:ln>
+            <a:solidFill>
+              <a:schemeClr val="accent5">
+                <a:lumMod val="75000"/>
+              </a:schemeClr>
+            </a:solidFill>
+          </a:ln>
+        </p:spPr>
+        <p:style>
+          <a:lnRef idx="2">
+            <a:schemeClr val="accent1">
+              <a:shade val="50000"/>
+            </a:schemeClr>
+          </a:lnRef>
+          <a:fillRef idx="1">
+            <a:schemeClr val="accent1"/>
+          </a:fillRef>
+          <a:effectRef idx="0">
+            <a:schemeClr val="accent1"/>
+          </a:effectRef>
+          <a:fontRef idx="minor">
+            <a:schemeClr val="lt1"/>
+          </a:fontRef>
+        </p:style>
+        <p:txBody>
+          <a:bodyPr rtlCol="0" anchor="ctr"/>
+          <a:lstStyle/>
+          <a:p>
+            <a:pPr algn="ctr"/>
+            <a:endParaRPr lang="ko-KR" altLang="en-US"/>
+          </a:p>
+        </p:txBody>
+      </p:sp>
       <p:pic>
         <p:nvPicPr>
-          <p:cNvPr id="13" name="그림 12">
+          <p:cNvPr id="47" name="그림 46">
             <a:extLst>
               <a:ext uri="{FF2B5EF4-FFF2-40B4-BE49-F238E27FC236}">
-                <a16:creationId xmlns:a16="http://schemas.microsoft.com/office/drawing/2014/main" id="{C81C4184-A58B-433D-A12B-509C716B9A91}"/>
+                <a16:creationId xmlns:a16="http://schemas.microsoft.com/office/drawing/2014/main" id="{47BE2208-DD1E-4CCD-80E7-682E5C1EC0D2}"/>
               </a:ext>
             </a:extLst>
           </p:cNvPr>
@@ -6937,33 +8294,820 @@
           <p:nvPr/>
         </p:nvPicPr>
         <p:blipFill>
-          <a:blip r:embed="rId2"/>
+          <a:blip r:embed="rId3"/>
           <a:stretch>
             <a:fillRect/>
           </a:stretch>
         </p:blipFill>
         <p:spPr>
           <a:xfrm>
-            <a:off x="2100374" y="2004966"/>
-            <a:ext cx="7991252" cy="2984285"/>
+            <a:off x="1725831" y="5417534"/>
+            <a:ext cx="866775" cy="342900"/>
           </a:xfrm>
           <a:prstGeom prst="rect">
             <a:avLst/>
           </a:prstGeom>
+        </p:spPr>
+      </p:pic>
+      <p:sp>
+        <p:nvSpPr>
+          <p:cNvPr id="48" name="설명선: 굽은 선 47">
+            <a:extLst>
+              <a:ext uri="{FF2B5EF4-FFF2-40B4-BE49-F238E27FC236}">
+                <a16:creationId xmlns:a16="http://schemas.microsoft.com/office/drawing/2014/main" id="{740D7F9B-1AAF-4347-A776-D0FE6E4F51AC}"/>
+              </a:ext>
+            </a:extLst>
+          </p:cNvPr>
+          <p:cNvSpPr/>
+          <p:nvPr/>
+        </p:nvSpPr>
+        <p:spPr>
+          <a:xfrm>
+            <a:off x="2942834" y="5401222"/>
+            <a:ext cx="3011459" cy="486956"/>
+          </a:xfrm>
+          <a:prstGeom prst="borderCallout2">
+            <a:avLst>
+              <a:gd name="adj1" fmla="val 52692"/>
+              <a:gd name="adj2" fmla="val -298"/>
+              <a:gd name="adj3" fmla="val 44114"/>
+              <a:gd name="adj4" fmla="val -4765"/>
+              <a:gd name="adj5" fmla="val 41752"/>
+              <a:gd name="adj6" fmla="val -11540"/>
+            </a:avLst>
+          </a:prstGeom>
+          <a:noFill/>
           <a:ln>
             <a:solidFill>
-              <a:schemeClr val="tx1">
-                <a:lumMod val="65000"/>
-                <a:lumOff val="35000"/>
+              <a:schemeClr val="accent5">
+                <a:lumMod val="75000"/>
               </a:schemeClr>
             </a:solidFill>
           </a:ln>
         </p:spPr>
+        <p:style>
+          <a:lnRef idx="2">
+            <a:schemeClr val="accent1">
+              <a:shade val="50000"/>
+            </a:schemeClr>
+          </a:lnRef>
+          <a:fillRef idx="1">
+            <a:schemeClr val="accent1"/>
+          </a:fillRef>
+          <a:effectRef idx="0">
+            <a:schemeClr val="accent1"/>
+          </a:effectRef>
+          <a:fontRef idx="minor">
+            <a:schemeClr val="lt1"/>
+          </a:fontRef>
+        </p:style>
+        <p:txBody>
+          <a:bodyPr rtlCol="0" anchor="ctr"/>
+          <a:lstStyle/>
+          <a:p>
+            <a:pPr algn="ctr"/>
+            <a:r>
+              <a:rPr lang="en-US" altLang="ko-KR" dirty="0">
+                <a:solidFill>
+                  <a:schemeClr val="accent5">
+                    <a:lumMod val="75000"/>
+                  </a:schemeClr>
+                </a:solidFill>
+              </a:rPr>
+              <a:t>If you want to add new member to “A”, click this button.</a:t>
+            </a:r>
+            <a:endParaRPr lang="ko-KR" altLang="en-US" dirty="0">
+              <a:solidFill>
+                <a:schemeClr val="accent5">
+                  <a:lumMod val="75000"/>
+                </a:schemeClr>
+              </a:solidFill>
+            </a:endParaRPr>
+          </a:p>
+        </p:txBody>
+      </p:sp>
+      <p:sp>
+        <p:nvSpPr>
+          <p:cNvPr id="49" name="직사각형 48">
+            <a:extLst>
+              <a:ext uri="{FF2B5EF4-FFF2-40B4-BE49-F238E27FC236}">
+                <a16:creationId xmlns:a16="http://schemas.microsoft.com/office/drawing/2014/main" id="{B3419789-3871-4273-BAC9-ADF49C674E84}"/>
+              </a:ext>
+            </a:extLst>
+          </p:cNvPr>
+          <p:cNvSpPr/>
+          <p:nvPr/>
+        </p:nvSpPr>
+        <p:spPr>
+          <a:xfrm>
+            <a:off x="1725831" y="5417533"/>
+            <a:ext cx="866775" cy="342900"/>
+          </a:xfrm>
+          <a:prstGeom prst="rect">
+            <a:avLst/>
+          </a:prstGeom>
+          <a:noFill/>
+          <a:ln>
+            <a:solidFill>
+              <a:schemeClr val="accent5">
+                <a:lumMod val="75000"/>
+              </a:schemeClr>
+            </a:solidFill>
+          </a:ln>
+        </p:spPr>
+        <p:style>
+          <a:lnRef idx="2">
+            <a:schemeClr val="accent1">
+              <a:shade val="50000"/>
+            </a:schemeClr>
+          </a:lnRef>
+          <a:fillRef idx="1">
+            <a:schemeClr val="accent1"/>
+          </a:fillRef>
+          <a:effectRef idx="0">
+            <a:schemeClr val="accent1"/>
+          </a:effectRef>
+          <a:fontRef idx="minor">
+            <a:schemeClr val="lt1"/>
+          </a:fontRef>
+        </p:style>
+        <p:txBody>
+          <a:bodyPr rtlCol="0" anchor="ctr"/>
+          <a:lstStyle/>
+          <a:p>
+            <a:pPr algn="ctr"/>
+            <a:endParaRPr lang="ko-KR" altLang="en-US"/>
+          </a:p>
+        </p:txBody>
+      </p:sp>
+      <p:pic>
+        <p:nvPicPr>
+          <p:cNvPr id="50" name="그림 49">
+            <a:extLst>
+              <a:ext uri="{FF2B5EF4-FFF2-40B4-BE49-F238E27FC236}">
+                <a16:creationId xmlns:a16="http://schemas.microsoft.com/office/drawing/2014/main" id="{624282FD-0E23-4D3B-BB9C-8B48F4CD7D45}"/>
+              </a:ext>
+            </a:extLst>
+          </p:cNvPr>
+          <p:cNvPicPr>
+            <a:picLocks noChangeAspect="1"/>
+          </p:cNvPicPr>
+          <p:nvPr/>
+        </p:nvPicPr>
+        <p:blipFill>
+          <a:blip r:embed="rId4"/>
+          <a:stretch>
+            <a:fillRect/>
+          </a:stretch>
+        </p:blipFill>
+        <p:spPr>
+          <a:xfrm>
+            <a:off x="6067425" y="5417533"/>
+            <a:ext cx="1685925" cy="333375"/>
+          </a:xfrm>
+          <a:prstGeom prst="rect">
+            <a:avLst/>
+          </a:prstGeom>
+        </p:spPr>
       </p:pic>
+      <p:sp>
+        <p:nvSpPr>
+          <p:cNvPr id="51" name="설명선: 굽은 선 50">
+            <a:extLst>
+              <a:ext uri="{FF2B5EF4-FFF2-40B4-BE49-F238E27FC236}">
+                <a16:creationId xmlns:a16="http://schemas.microsoft.com/office/drawing/2014/main" id="{5B319699-152C-4285-A809-AC618F395229}"/>
+              </a:ext>
+            </a:extLst>
+          </p:cNvPr>
+          <p:cNvSpPr/>
+          <p:nvPr/>
+        </p:nvSpPr>
+        <p:spPr>
+          <a:xfrm>
+            <a:off x="8113103" y="5369247"/>
+            <a:ext cx="3797226" cy="863247"/>
+          </a:xfrm>
+          <a:prstGeom prst="borderCallout2">
+            <a:avLst>
+              <a:gd name="adj1" fmla="val 52692"/>
+              <a:gd name="adj2" fmla="val -298"/>
+              <a:gd name="adj3" fmla="val 44114"/>
+              <a:gd name="adj4" fmla="val -4765"/>
+              <a:gd name="adj5" fmla="val 28511"/>
+              <a:gd name="adj6" fmla="val -9533"/>
+            </a:avLst>
+          </a:prstGeom>
+          <a:noFill/>
+          <a:ln>
+            <a:solidFill>
+              <a:schemeClr val="accent5">
+                <a:lumMod val="75000"/>
+              </a:schemeClr>
+            </a:solidFill>
+          </a:ln>
+        </p:spPr>
+        <p:style>
+          <a:lnRef idx="2">
+            <a:schemeClr val="accent1">
+              <a:shade val="50000"/>
+            </a:schemeClr>
+          </a:lnRef>
+          <a:fillRef idx="1">
+            <a:schemeClr val="accent1"/>
+          </a:fillRef>
+          <a:effectRef idx="0">
+            <a:schemeClr val="accent1"/>
+          </a:effectRef>
+          <a:fontRef idx="minor">
+            <a:schemeClr val="lt1"/>
+          </a:fontRef>
+        </p:style>
+        <p:txBody>
+          <a:bodyPr rtlCol="0" anchor="ctr"/>
+          <a:lstStyle/>
+          <a:p>
+            <a:pPr algn="ctr"/>
+            <a:r>
+              <a:rPr lang="en-US" altLang="ko-KR" dirty="0">
+                <a:solidFill>
+                  <a:schemeClr val="accent5">
+                    <a:lumMod val="75000"/>
+                  </a:schemeClr>
+                </a:solidFill>
+              </a:rPr>
+              <a:t>If you want to delete and revise name, firstly select member in “A” and click this button</a:t>
+            </a:r>
+            <a:endParaRPr lang="ko-KR" altLang="en-US" dirty="0">
+              <a:solidFill>
+                <a:schemeClr val="accent5">
+                  <a:lumMod val="75000"/>
+                </a:schemeClr>
+              </a:solidFill>
+            </a:endParaRPr>
+          </a:p>
+        </p:txBody>
+      </p:sp>
+      <p:sp>
+        <p:nvSpPr>
+          <p:cNvPr id="52" name="직사각형 51">
+            <a:extLst>
+              <a:ext uri="{FF2B5EF4-FFF2-40B4-BE49-F238E27FC236}">
+                <a16:creationId xmlns:a16="http://schemas.microsoft.com/office/drawing/2014/main" id="{2DD24616-14B2-4B24-B2E8-7173C6806D5E}"/>
+              </a:ext>
+            </a:extLst>
+          </p:cNvPr>
+          <p:cNvSpPr/>
+          <p:nvPr/>
+        </p:nvSpPr>
+        <p:spPr>
+          <a:xfrm>
+            <a:off x="6067425" y="5426751"/>
+            <a:ext cx="1685925" cy="342900"/>
+          </a:xfrm>
+          <a:prstGeom prst="rect">
+            <a:avLst/>
+          </a:prstGeom>
+          <a:noFill/>
+          <a:ln>
+            <a:solidFill>
+              <a:schemeClr val="accent5">
+                <a:lumMod val="75000"/>
+              </a:schemeClr>
+            </a:solidFill>
+          </a:ln>
+        </p:spPr>
+        <p:style>
+          <a:lnRef idx="2">
+            <a:schemeClr val="accent1">
+              <a:shade val="50000"/>
+            </a:schemeClr>
+          </a:lnRef>
+          <a:fillRef idx="1">
+            <a:schemeClr val="accent1"/>
+          </a:fillRef>
+          <a:effectRef idx="0">
+            <a:schemeClr val="accent1"/>
+          </a:effectRef>
+          <a:fontRef idx="minor">
+            <a:schemeClr val="lt1"/>
+          </a:fontRef>
+        </p:style>
+        <p:txBody>
+          <a:bodyPr rtlCol="0" anchor="ctr"/>
+          <a:lstStyle/>
+          <a:p>
+            <a:pPr algn="ctr"/>
+            <a:endParaRPr lang="ko-KR" altLang="en-US"/>
+          </a:p>
+        </p:txBody>
+      </p:sp>
     </p:spTree>
     <p:extLst>
       <p:ext uri="{BB962C8B-B14F-4D97-AF65-F5344CB8AC3E}">
         <p14:creationId xmlns:p14="http://schemas.microsoft.com/office/powerpoint/2010/main" val="4116745208"/>
+      </p:ext>
+    </p:extLst>
+  </p:cSld>
+  <p:clrMapOvr>
+    <a:masterClrMapping/>
+  </p:clrMapOvr>
+</p:sld>
+</file>
+
+<file path=ppt/slides/slide2.xml><?xml version="1.0" encoding="utf-8"?>
+<p:sld xmlns:a="http://schemas.openxmlformats.org/drawingml/2006/main" xmlns:r="http://schemas.openxmlformats.org/officeDocument/2006/relationships" xmlns:p="http://schemas.openxmlformats.org/presentationml/2006/main">
+  <p:cSld>
+    <p:spTree>
+      <p:nvGrpSpPr>
+        <p:cNvPr id="1" name=""/>
+        <p:cNvGrpSpPr/>
+        <p:nvPr/>
+      </p:nvGrpSpPr>
+      <p:grpSpPr>
+        <a:xfrm>
+          <a:off x="0" y="0"/>
+          <a:ext cx="0" cy="0"/>
+          <a:chOff x="0" y="0"/>
+          <a:chExt cx="0" cy="0"/>
+        </a:xfrm>
+      </p:grpSpPr>
+      <p:cxnSp>
+        <p:nvCxnSpPr>
+          <p:cNvPr id="5" name="직선 연결선 4">
+            <a:extLst>
+              <a:ext uri="{FF2B5EF4-FFF2-40B4-BE49-F238E27FC236}">
+                <a16:creationId xmlns:a16="http://schemas.microsoft.com/office/drawing/2014/main" id="{DD5BCB85-2F21-45CE-B00C-BE6192A0A2A3}"/>
+              </a:ext>
+            </a:extLst>
+          </p:cNvPr>
+          <p:cNvCxnSpPr>
+            <a:cxnSpLocks/>
+          </p:cNvCxnSpPr>
+          <p:nvPr/>
+        </p:nvCxnSpPr>
+        <p:spPr>
+          <a:xfrm>
+            <a:off x="310716" y="561418"/>
+            <a:ext cx="11603115" cy="0"/>
+          </a:xfrm>
+          <a:prstGeom prst="line">
+            <a:avLst/>
+          </a:prstGeom>
+          <a:ln w="19050">
+            <a:solidFill>
+              <a:schemeClr val="bg1">
+                <a:lumMod val="75000"/>
+              </a:schemeClr>
+            </a:solidFill>
+          </a:ln>
+        </p:spPr>
+        <p:style>
+          <a:lnRef idx="1">
+            <a:schemeClr val="accent1"/>
+          </a:lnRef>
+          <a:fillRef idx="0">
+            <a:schemeClr val="accent1"/>
+          </a:fillRef>
+          <a:effectRef idx="0">
+            <a:schemeClr val="accent1"/>
+          </a:effectRef>
+          <a:fontRef idx="minor">
+            <a:schemeClr val="tx1"/>
+          </a:fontRef>
+        </p:style>
+      </p:cxnSp>
+      <p:sp>
+        <p:nvSpPr>
+          <p:cNvPr id="8" name="부제목 2">
+            <a:extLst>
+              <a:ext uri="{FF2B5EF4-FFF2-40B4-BE49-F238E27FC236}">
+                <a16:creationId xmlns:a16="http://schemas.microsoft.com/office/drawing/2014/main" id="{AAF1C119-E620-49B8-A4FA-B340160DE8A7}"/>
+              </a:ext>
+            </a:extLst>
+          </p:cNvPr>
+          <p:cNvSpPr txBox="1">
+            <a:spLocks/>
+          </p:cNvSpPr>
+          <p:nvPr/>
+        </p:nvSpPr>
+        <p:spPr>
+          <a:xfrm>
+            <a:off x="310716" y="62740"/>
+            <a:ext cx="3613584" cy="432610"/>
+          </a:xfrm>
+          <a:prstGeom prst="rect">
+            <a:avLst/>
+          </a:prstGeom>
+        </p:spPr>
+        <p:txBody>
+          <a:bodyPr vert="horz" lIns="91440" tIns="45720" rIns="91440" bIns="45720" rtlCol="0">
+            <a:noAutofit/>
+          </a:bodyPr>
+          <a:lstStyle>
+            <a:lvl1pPr marL="0" indent="0" algn="ctr" defTabSz="914400" rtl="0" eaLnBrk="1" latinLnBrk="1" hangingPunct="1">
+              <a:lnSpc>
+                <a:spcPct val="120000"/>
+              </a:lnSpc>
+              <a:spcBef>
+                <a:spcPts val="1000"/>
+              </a:spcBef>
+              <a:buClr>
+                <a:schemeClr val="tx1"/>
+              </a:buClr>
+              <a:buFont typeface="Arial" panose="020B0604020202020204" pitchFamily="34" charset="0"/>
+              <a:buNone/>
+              <a:defRPr sz="2200" kern="1200" cap="all" baseline="0">
+                <a:solidFill>
+                  <a:schemeClr val="bg1">
+                    <a:lumMod val="50000"/>
+                  </a:schemeClr>
+                </a:solidFill>
+                <a:effectLst/>
+                <a:latin typeface="+mn-lt"/>
+                <a:ea typeface="+mn-ea"/>
+                <a:cs typeface="+mn-cs"/>
+              </a:defRPr>
+            </a:lvl1pPr>
+            <a:lvl2pPr marL="457200" indent="0" algn="ctr" defTabSz="914400" rtl="0" eaLnBrk="1" latinLnBrk="1" hangingPunct="1">
+              <a:lnSpc>
+                <a:spcPct val="120000"/>
+              </a:lnSpc>
+              <a:spcBef>
+                <a:spcPts val="500"/>
+              </a:spcBef>
+              <a:buClr>
+                <a:schemeClr val="tx1"/>
+              </a:buClr>
+              <a:buFont typeface="Arial" panose="020B0604020202020204" pitchFamily="34" charset="0"/>
+              <a:buNone/>
+              <a:defRPr sz="2000" kern="1200" cap="all" baseline="0">
+                <a:solidFill>
+                  <a:schemeClr val="tx1"/>
+                </a:solidFill>
+                <a:effectLst/>
+                <a:latin typeface="+mn-lt"/>
+                <a:ea typeface="+mn-ea"/>
+                <a:cs typeface="+mn-cs"/>
+              </a:defRPr>
+            </a:lvl2pPr>
+            <a:lvl3pPr marL="914400" indent="0" algn="ctr" defTabSz="914400" rtl="0" eaLnBrk="1" latinLnBrk="1" hangingPunct="1">
+              <a:lnSpc>
+                <a:spcPct val="120000"/>
+              </a:lnSpc>
+              <a:spcBef>
+                <a:spcPts val="500"/>
+              </a:spcBef>
+              <a:buClr>
+                <a:schemeClr val="tx1"/>
+              </a:buClr>
+              <a:buFont typeface="Arial" panose="020B0604020202020204" pitchFamily="34" charset="0"/>
+              <a:buNone/>
+              <a:defRPr sz="1800" kern="1200" cap="all" baseline="0">
+                <a:solidFill>
+                  <a:schemeClr val="tx1"/>
+                </a:solidFill>
+                <a:effectLst/>
+                <a:latin typeface="+mn-lt"/>
+                <a:ea typeface="+mn-ea"/>
+                <a:cs typeface="+mn-cs"/>
+              </a:defRPr>
+            </a:lvl3pPr>
+            <a:lvl4pPr marL="1371600" indent="0" algn="ctr" defTabSz="914400" rtl="0" eaLnBrk="1" latinLnBrk="1" hangingPunct="1">
+              <a:lnSpc>
+                <a:spcPct val="120000"/>
+              </a:lnSpc>
+              <a:spcBef>
+                <a:spcPts val="500"/>
+              </a:spcBef>
+              <a:buClr>
+                <a:schemeClr val="tx1"/>
+              </a:buClr>
+              <a:buFont typeface="Arial" panose="020B0604020202020204" pitchFamily="34" charset="0"/>
+              <a:buNone/>
+              <a:defRPr sz="1600" kern="1200" cap="all" baseline="0">
+                <a:solidFill>
+                  <a:schemeClr val="tx1"/>
+                </a:solidFill>
+                <a:effectLst/>
+                <a:latin typeface="+mn-lt"/>
+                <a:ea typeface="+mn-ea"/>
+                <a:cs typeface="+mn-cs"/>
+              </a:defRPr>
+            </a:lvl4pPr>
+            <a:lvl5pPr marL="1828800" indent="0" algn="ctr" defTabSz="914400" rtl="0" eaLnBrk="1" latinLnBrk="1" hangingPunct="1">
+              <a:lnSpc>
+                <a:spcPct val="120000"/>
+              </a:lnSpc>
+              <a:spcBef>
+                <a:spcPts val="500"/>
+              </a:spcBef>
+              <a:buClr>
+                <a:schemeClr val="tx1"/>
+              </a:buClr>
+              <a:buFont typeface="Arial" panose="020B0604020202020204" pitchFamily="34" charset="0"/>
+              <a:buNone/>
+              <a:defRPr sz="1600" kern="1200" cap="all" baseline="0">
+                <a:solidFill>
+                  <a:schemeClr val="tx1"/>
+                </a:solidFill>
+                <a:effectLst/>
+                <a:latin typeface="+mn-lt"/>
+                <a:ea typeface="+mn-ea"/>
+                <a:cs typeface="+mn-cs"/>
+              </a:defRPr>
+            </a:lvl5pPr>
+            <a:lvl6pPr marL="2286000" indent="0" algn="ctr" defTabSz="914400" rtl="0" eaLnBrk="1" latinLnBrk="1" hangingPunct="1">
+              <a:lnSpc>
+                <a:spcPct val="120000"/>
+              </a:lnSpc>
+              <a:spcBef>
+                <a:spcPts val="500"/>
+              </a:spcBef>
+              <a:buClr>
+                <a:schemeClr val="tx1"/>
+              </a:buClr>
+              <a:buFont typeface="Arial" panose="020B0604020202020204" pitchFamily="34" charset="0"/>
+              <a:buNone/>
+              <a:defRPr sz="1600" kern="1200" cap="all" baseline="0">
+                <a:solidFill>
+                  <a:schemeClr val="tx1"/>
+                </a:solidFill>
+                <a:effectLst/>
+                <a:latin typeface="+mn-lt"/>
+                <a:ea typeface="+mn-ea"/>
+                <a:cs typeface="+mn-cs"/>
+              </a:defRPr>
+            </a:lvl6pPr>
+            <a:lvl7pPr marL="2743200" indent="0" algn="ctr" defTabSz="914400" rtl="0" eaLnBrk="1" latinLnBrk="1" hangingPunct="1">
+              <a:lnSpc>
+                <a:spcPct val="120000"/>
+              </a:lnSpc>
+              <a:spcBef>
+                <a:spcPts val="500"/>
+              </a:spcBef>
+              <a:buClr>
+                <a:schemeClr val="tx1"/>
+              </a:buClr>
+              <a:buFont typeface="Arial" panose="020B0604020202020204" pitchFamily="34" charset="0"/>
+              <a:buNone/>
+              <a:defRPr sz="1600" kern="1200" cap="all" baseline="0">
+                <a:solidFill>
+                  <a:schemeClr val="tx1"/>
+                </a:solidFill>
+                <a:effectLst/>
+                <a:latin typeface="+mn-lt"/>
+                <a:ea typeface="+mn-ea"/>
+                <a:cs typeface="+mn-cs"/>
+              </a:defRPr>
+            </a:lvl7pPr>
+            <a:lvl8pPr marL="3200400" indent="0" algn="ctr" defTabSz="914400" rtl="0" eaLnBrk="1" latinLnBrk="1" hangingPunct="1">
+              <a:lnSpc>
+                <a:spcPct val="120000"/>
+              </a:lnSpc>
+              <a:spcBef>
+                <a:spcPts val="500"/>
+              </a:spcBef>
+              <a:buClr>
+                <a:schemeClr val="tx1"/>
+              </a:buClr>
+              <a:buFont typeface="Arial" panose="020B0604020202020204" pitchFamily="34" charset="0"/>
+              <a:buNone/>
+              <a:defRPr sz="1600" kern="1200" cap="all" baseline="0">
+                <a:solidFill>
+                  <a:schemeClr val="tx1"/>
+                </a:solidFill>
+                <a:effectLst/>
+                <a:latin typeface="+mn-lt"/>
+                <a:ea typeface="+mn-ea"/>
+                <a:cs typeface="+mn-cs"/>
+              </a:defRPr>
+            </a:lvl8pPr>
+            <a:lvl9pPr marL="3657600" indent="0" algn="ctr" defTabSz="914400" rtl="0" eaLnBrk="1" latinLnBrk="1" hangingPunct="1">
+              <a:lnSpc>
+                <a:spcPct val="120000"/>
+              </a:lnSpc>
+              <a:spcBef>
+                <a:spcPts val="500"/>
+              </a:spcBef>
+              <a:buClr>
+                <a:schemeClr val="tx1"/>
+              </a:buClr>
+              <a:buFont typeface="Arial" panose="020B0604020202020204" pitchFamily="34" charset="0"/>
+              <a:buNone/>
+              <a:defRPr sz="1600" kern="1200" cap="all" baseline="0">
+                <a:solidFill>
+                  <a:schemeClr val="tx1"/>
+                </a:solidFill>
+                <a:effectLst/>
+                <a:latin typeface="+mn-lt"/>
+                <a:ea typeface="+mn-ea"/>
+                <a:cs typeface="+mn-cs"/>
+              </a:defRPr>
+            </a:lvl9pPr>
+          </a:lstStyle>
+          <a:p>
+            <a:pPr algn="l"/>
+            <a:r>
+              <a:rPr lang="en-US" altLang="ko-KR" sz="2000" dirty="0">
+                <a:solidFill>
+                  <a:schemeClr val="tx1"/>
+                </a:solidFill>
+              </a:rPr>
+              <a:t>Attendance Book Help</a:t>
+            </a:r>
+            <a:endParaRPr lang="ko-KR" altLang="en-US" sz="2000" dirty="0">
+              <a:solidFill>
+                <a:schemeClr val="tx1"/>
+              </a:solidFill>
+            </a:endParaRPr>
+          </a:p>
+        </p:txBody>
+      </p:sp>
+      <p:sp>
+        <p:nvSpPr>
+          <p:cNvPr id="11" name="슬라이드 번호 개체 틀 24">
+            <a:extLst>
+              <a:ext uri="{FF2B5EF4-FFF2-40B4-BE49-F238E27FC236}">
+                <a16:creationId xmlns:a16="http://schemas.microsoft.com/office/drawing/2014/main" id="{B9F04A9F-83A1-49CB-A37C-5B5B9F500BD8}"/>
+              </a:ext>
+            </a:extLst>
+          </p:cNvPr>
+          <p:cNvSpPr>
+            <a:spLocks noGrp="1"/>
+          </p:cNvSpPr>
+          <p:nvPr>
+            <p:ph type="sldNum" sz="quarter" idx="12"/>
+          </p:nvPr>
+        </p:nvSpPr>
+        <p:spPr>
+          <a:xfrm>
+            <a:off x="5601820" y="6292578"/>
+            <a:ext cx="852244" cy="365125"/>
+          </a:xfrm>
+        </p:spPr>
+        <p:txBody>
+          <a:bodyPr/>
+          <a:lstStyle/>
+          <a:p>
+            <a:fld id="{6D22F896-40B5-4ADD-8801-0D06FADFA095}" type="slidenum">
+              <a:rPr lang="en-US" sz="1800" smtClean="0"/>
+              <a:t>2</a:t>
+            </a:fld>
+            <a:r>
+              <a:rPr lang="en-US" sz="1800" dirty="0"/>
+              <a:t> Page</a:t>
+            </a:r>
+          </a:p>
+        </p:txBody>
+      </p:sp>
+      <p:sp>
+        <p:nvSpPr>
+          <p:cNvPr id="2" name="TextBox 1">
+            <a:extLst>
+              <a:ext uri="{FF2B5EF4-FFF2-40B4-BE49-F238E27FC236}">
+                <a16:creationId xmlns:a16="http://schemas.microsoft.com/office/drawing/2014/main" id="{75275E50-E946-4460-B01C-627E6C5089D9}"/>
+              </a:ext>
+            </a:extLst>
+          </p:cNvPr>
+          <p:cNvSpPr txBox="1"/>
+          <p:nvPr/>
+        </p:nvSpPr>
+        <p:spPr>
+          <a:xfrm>
+            <a:off x="962025" y="1019175"/>
+            <a:ext cx="10858500" cy="4601260"/>
+          </a:xfrm>
+          <a:prstGeom prst="rect">
+            <a:avLst/>
+          </a:prstGeom>
+          <a:noFill/>
+        </p:spPr>
+        <p:txBody>
+          <a:bodyPr wrap="square" rtlCol="0">
+            <a:spAutoFit/>
+          </a:bodyPr>
+          <a:lstStyle/>
+          <a:p>
+            <a:r>
+              <a:rPr lang="en-US" altLang="ko-KR" sz="5000" dirty="0"/>
+              <a:t>Attention Please!</a:t>
+            </a:r>
+          </a:p>
+          <a:p>
+            <a:pPr marL="342900" indent="-342900">
+              <a:buAutoNum type="arabicPeriod"/>
+            </a:pPr>
+            <a:endParaRPr lang="en-US" altLang="ko-KR" dirty="0"/>
+          </a:p>
+          <a:p>
+            <a:pPr marL="342900" indent="-342900">
+              <a:buAutoNum type="arabicPeriod"/>
+            </a:pPr>
+            <a:r>
+              <a:rPr lang="en-US" altLang="ko-KR" sz="2500" dirty="0"/>
+              <a:t>This Program should make the folder which path is </a:t>
+            </a:r>
+            <a:r>
+              <a:rPr lang="en-US" altLang="ko-KR" sz="2500" dirty="0">
+                <a:solidFill>
+                  <a:srgbClr val="FF0000"/>
+                </a:solidFill>
+              </a:rPr>
+              <a:t>“c:\</a:t>
+            </a:r>
+            <a:r>
+              <a:rPr lang="en-US" altLang="ko-KR" sz="2500" dirty="0" err="1">
+                <a:solidFill>
+                  <a:srgbClr val="FF0000"/>
+                </a:solidFill>
+              </a:rPr>
+              <a:t>SEIAttendanceBook</a:t>
+            </a:r>
+            <a:r>
+              <a:rPr lang="en-US" altLang="ko-KR" sz="2500" dirty="0">
+                <a:solidFill>
+                  <a:srgbClr val="FF0000"/>
+                </a:solidFill>
+              </a:rPr>
+              <a:t>”</a:t>
+            </a:r>
+            <a:r>
+              <a:rPr lang="en-US" altLang="ko-KR" sz="2500" dirty="0"/>
+              <a:t> , if you delete this folder, you will lose the attendance history, don’t delete it</a:t>
+            </a:r>
+          </a:p>
+          <a:p>
+            <a:pPr marL="342900" indent="-342900">
+              <a:buAutoNum type="arabicPeriod"/>
+            </a:pPr>
+            <a:endParaRPr lang="en-US" altLang="ko-KR" sz="2500" dirty="0"/>
+          </a:p>
+          <a:p>
+            <a:pPr marL="342900" indent="-342900">
+              <a:buAutoNum type="arabicPeriod"/>
+            </a:pPr>
+            <a:r>
+              <a:rPr lang="en-US" altLang="ko-KR" sz="2500" dirty="0"/>
+              <a:t>For the first time</a:t>
+            </a:r>
+            <a:r>
+              <a:rPr lang="en-US" altLang="ko-KR" sz="2500"/>
+              <a:t>, when </a:t>
+            </a:r>
+            <a:r>
+              <a:rPr lang="en-US" altLang="ko-KR" sz="2500" dirty="0"/>
+              <a:t>starting the program, It is ok to open smart screen, don’t be embarrassed.</a:t>
+            </a:r>
+          </a:p>
+          <a:p>
+            <a:pPr marL="342900" indent="-342900">
+              <a:buAutoNum type="arabicPeriod"/>
+            </a:pPr>
+            <a:endParaRPr lang="en-US" altLang="ko-KR" sz="2500" dirty="0"/>
+          </a:p>
+          <a:p>
+            <a:pPr marL="342900" indent="-342900">
+              <a:buAutoNum type="arabicPeriod"/>
+            </a:pPr>
+            <a:r>
+              <a:rPr lang="en-US" altLang="ko-KR" sz="2500" dirty="0"/>
+              <a:t>Don’t hesitate to contact me if you have some questions.</a:t>
+            </a:r>
+          </a:p>
+          <a:p>
+            <a:pPr marL="342900" indent="-342900">
+              <a:buAutoNum type="arabicPeriod"/>
+            </a:pPr>
+            <a:endParaRPr lang="en-US" altLang="ko-KR" sz="2500" dirty="0"/>
+          </a:p>
+          <a:p>
+            <a:pPr marL="342900" indent="-342900">
+              <a:buAutoNum type="arabicPeriod"/>
+            </a:pPr>
+            <a:r>
+              <a:rPr lang="en-US" altLang="ko-KR" sz="2500" dirty="0"/>
+              <a:t>My Email is </a:t>
+            </a:r>
+            <a:r>
+              <a:rPr lang="en-US" altLang="ko-KR" sz="2500" dirty="0">
+                <a:solidFill>
+                  <a:srgbClr val="FF0000"/>
+                </a:solidFill>
+              </a:rPr>
+              <a:t>“macrozm@naver.com”</a:t>
+            </a:r>
+            <a:endParaRPr lang="ko-KR" altLang="en-US" sz="2500" dirty="0">
+              <a:solidFill>
+                <a:srgbClr val="FF0000"/>
+              </a:solidFill>
+            </a:endParaRPr>
+          </a:p>
+        </p:txBody>
+      </p:sp>
+    </p:spTree>
+    <p:extLst>
+      <p:ext uri="{BB962C8B-B14F-4D97-AF65-F5344CB8AC3E}">
+        <p14:creationId xmlns:p14="http://schemas.microsoft.com/office/powerpoint/2010/main" val="1529185483"/>
       </p:ext>
     </p:extLst>
   </p:cSld>
